--- a/dv-lec1.pptx
+++ b/dv-lec1.pptx
@@ -325,7 +325,7 @@
           <a:p>
             <a:fld id="{CE8FAAA5-A14A-44C9-AE63-B0B7E46459D5}" type="datetimeFigureOut">
               <a:rPr lang="ru-RU" smtClean="0"/>
-              <a:t>06.02.2018</a:t>
+              <a:t>04.02.2019</a:t>
             </a:fld>
             <a:endParaRPr lang="ru-RU"/>
           </a:p>
@@ -495,7 +495,7 @@
           <a:p>
             <a:fld id="{CE8FAAA5-A14A-44C9-AE63-B0B7E46459D5}" type="datetimeFigureOut">
               <a:rPr lang="ru-RU" smtClean="0"/>
-              <a:t>06.02.2018</a:t>
+              <a:t>04.02.2019</a:t>
             </a:fld>
             <a:endParaRPr lang="ru-RU"/>
           </a:p>
@@ -675,7 +675,7 @@
           <a:p>
             <a:fld id="{CE8FAAA5-A14A-44C9-AE63-B0B7E46459D5}" type="datetimeFigureOut">
               <a:rPr lang="ru-RU" smtClean="0"/>
-              <a:t>06.02.2018</a:t>
+              <a:t>04.02.2019</a:t>
             </a:fld>
             <a:endParaRPr lang="ru-RU"/>
           </a:p>
@@ -1074,7 +1074,7 @@
           <a:p>
             <a:fld id="{CE8FAAA5-A14A-44C9-AE63-B0B7E46459D5}" type="datetimeFigureOut">
               <a:rPr lang="ru-RU" smtClean="0"/>
-              <a:t>06.02.2018</a:t>
+              <a:t>04.02.2019</a:t>
             </a:fld>
             <a:endParaRPr lang="ru-RU"/>
           </a:p>
@@ -1320,7 +1320,7 @@
           <a:p>
             <a:fld id="{CE8FAAA5-A14A-44C9-AE63-B0B7E46459D5}" type="datetimeFigureOut">
               <a:rPr lang="ru-RU" smtClean="0"/>
-              <a:t>06.02.2018</a:t>
+              <a:t>04.02.2019</a:t>
             </a:fld>
             <a:endParaRPr lang="ru-RU"/>
           </a:p>
@@ -1608,7 +1608,7 @@
           <a:p>
             <a:fld id="{CE8FAAA5-A14A-44C9-AE63-B0B7E46459D5}" type="datetimeFigureOut">
               <a:rPr lang="ru-RU" smtClean="0"/>
-              <a:t>06.02.2018</a:t>
+              <a:t>04.02.2019</a:t>
             </a:fld>
             <a:endParaRPr lang="ru-RU"/>
           </a:p>
@@ -2030,7 +2030,7 @@
           <a:p>
             <a:fld id="{CE8FAAA5-A14A-44C9-AE63-B0B7E46459D5}" type="datetimeFigureOut">
               <a:rPr lang="ru-RU" smtClean="0"/>
-              <a:t>06.02.2018</a:t>
+              <a:t>04.02.2019</a:t>
             </a:fld>
             <a:endParaRPr lang="ru-RU"/>
           </a:p>
@@ -2148,7 +2148,7 @@
           <a:p>
             <a:fld id="{CE8FAAA5-A14A-44C9-AE63-B0B7E46459D5}" type="datetimeFigureOut">
               <a:rPr lang="ru-RU" smtClean="0"/>
-              <a:t>06.02.2018</a:t>
+              <a:t>04.02.2019</a:t>
             </a:fld>
             <a:endParaRPr lang="ru-RU"/>
           </a:p>
@@ -2243,7 +2243,7 @@
           <a:p>
             <a:fld id="{CE8FAAA5-A14A-44C9-AE63-B0B7E46459D5}" type="datetimeFigureOut">
               <a:rPr lang="ru-RU" smtClean="0"/>
-              <a:t>06.02.2018</a:t>
+              <a:t>04.02.2019</a:t>
             </a:fld>
             <a:endParaRPr lang="ru-RU"/>
           </a:p>
@@ -2520,7 +2520,7 @@
           <a:p>
             <a:fld id="{CE8FAAA5-A14A-44C9-AE63-B0B7E46459D5}" type="datetimeFigureOut">
               <a:rPr lang="ru-RU" smtClean="0"/>
-              <a:t>06.02.2018</a:t>
+              <a:t>04.02.2019</a:t>
             </a:fld>
             <a:endParaRPr lang="ru-RU"/>
           </a:p>
@@ -2773,7 +2773,7 @@
           <a:p>
             <a:fld id="{CE8FAAA5-A14A-44C9-AE63-B0B7E46459D5}" type="datetimeFigureOut">
               <a:rPr lang="ru-RU" smtClean="0"/>
-              <a:t>06.02.2018</a:t>
+              <a:t>04.02.2019</a:t>
             </a:fld>
             <a:endParaRPr lang="ru-RU"/>
           </a:p>
@@ -2995,7 +2995,7 @@
           <a:p>
             <a:fld id="{CE8FAAA5-A14A-44C9-AE63-B0B7E46459D5}" type="datetimeFigureOut">
               <a:rPr lang="ru-RU" smtClean="0"/>
-              <a:t>06.02.2018</a:t>
+              <a:t>04.02.2019</a:t>
             </a:fld>
             <a:endParaRPr lang="ru-RU"/>
           </a:p>
@@ -3497,7 +3497,6 @@
               <a:rPr lang="ru-RU" dirty="0"/>
               <a:t>)</a:t>
             </a:r>
-            <a:endParaRPr lang="ru-RU" dirty="0"/>
           </a:p>
         </p:txBody>
       </p:sp>
@@ -5193,11 +5192,7 @@
             </a:r>
             <a:r>
               <a:rPr lang="ru-RU" dirty="0" smtClean="0"/>
-              <a:t>инамика и прочность машин (к. 12</a:t>
-            </a:r>
-            <a:r>
-              <a:rPr lang="ru-RU" dirty="0" smtClean="0"/>
-              <a:t>)</a:t>
+              <a:t>инамика и прочность машин (к. 12)</a:t>
             </a:r>
           </a:p>
           <a:p>
@@ -7137,6 +7132,25 @@
               <a:rPr lang="ru-RU" dirty="0" smtClean="0"/>
               <a:t>Алгоритмы понижения размерности в задачах визуализации данных</a:t>
             </a:r>
+            <a:endParaRPr lang="en-US" dirty="0" smtClean="0"/>
+          </a:p>
+          <a:p>
+            <a:r>
+              <a:rPr lang="ru-RU" dirty="0" smtClean="0"/>
+              <a:t>Визуализация текстовых данных (</a:t>
+            </a:r>
+            <a:r>
+              <a:rPr lang="en-US" dirty="0" err="1" smtClean="0"/>
+              <a:t>tex</a:t>
+            </a:r>
+            <a:r>
+              <a:rPr lang="en-US" dirty="0" smtClean="0"/>
+              <a:t>/latex</a:t>
+            </a:r>
+            <a:r>
+              <a:rPr lang="ru-RU" dirty="0" smtClean="0"/>
+              <a:t>)</a:t>
+            </a:r>
           </a:p>
         </p:txBody>
       </p:sp>
@@ -8753,15 +8767,11 @@
           <a:p>
             <a:r>
               <a:rPr lang="ru-RU" dirty="0"/>
-              <a:t>Уровни «</a:t>
-            </a:r>
-            <a:r>
-              <a:rPr lang="ru-RU" dirty="0" err="1"/>
-              <a:t>аскетичности</a:t>
-            </a:r>
-            <a:r>
-              <a:rPr lang="ru-RU" dirty="0" smtClean="0"/>
-              <a:t>»</a:t>
+              <a:t>Уровни </a:t>
+            </a:r>
+            <a:r>
+              <a:rPr lang="ru-RU" dirty="0" err="1" smtClean="0"/>
+              <a:t>стогости</a:t>
             </a:r>
             <a:endParaRPr lang="ru-RU" dirty="0"/>
           </a:p>
@@ -8902,11 +8912,11 @@
   <p:clrMapOvr>
     <a:masterClrMapping/>
   </p:clrMapOvr>
-  <mc:AlternateContent xmlns:mc="http://schemas.openxmlformats.org/markup-compatibility/2006">
-    <mc:Choice xmlns:p14="http://schemas.microsoft.com/office/powerpoint/2010/main" Requires="p14">
+  <mc:AlternateContent xmlns:mc="http://schemas.openxmlformats.org/markup-compatibility/2006" xmlns:p14="http://schemas.microsoft.com/office/powerpoint/2010/main">
+    <mc:Choice Requires="p14">
       <p:transition p14:dur="0"/>
     </mc:Choice>
-    <mc:Fallback>
+    <mc:Fallback xmlns="">
       <p:transition/>
     </mc:Fallback>
   </mc:AlternateContent>
